--- a/Documentation/DESKTOP PERSONAL ASSISTANT.pptx
+++ b/Documentation/DESKTOP PERSONAL ASSISTANT.pptx
@@ -16,7 +16,9 @@
     <p:sldId id="266" r:id="rId10"/>
     <p:sldId id="262" r:id="rId11"/>
     <p:sldId id="263" r:id="rId12"/>
-    <p:sldId id="267" r:id="rId13"/>
+    <p:sldId id="268" r:id="rId13"/>
+    <p:sldId id="269" r:id="rId14"/>
+    <p:sldId id="267" r:id="rId15"/>
   </p:sldIdLst>
   <p:sldSz cx="12192000" cy="6858000"/>
   <p:notesSz cx="6858000" cy="9144000"/>
@@ -115,6 +117,11 @@
       </a:defRPr>
     </a:lvl9pPr>
   </p:defaultTextStyle>
+  <p:extLst>
+    <p:ext uri="{EFAFB233-063F-42B5-8137-9DF3F51BA10A}">
+      <p15:sldGuideLst xmlns:p15="http://schemas.microsoft.com/office/powerpoint/2012/main"/>
+    </p:ext>
+  </p:extLst>
 </p:presentation>
 </file>
 
@@ -249,7 +256,7 @@
           <a:p>
             <a:fld id="{91806174-FCB5-4649-8BDC-4865025AC180}" type="datetimeFigureOut">
               <a:rPr lang="en-US" smtClean="0"/>
-              <a:t>11-Aug-21</a:t>
+              <a:t>21-Sep-21</a:t>
             </a:fld>
             <a:endParaRPr lang="en-US"/>
           </a:p>
@@ -419,7 +426,7 @@
           <a:p>
             <a:fld id="{91806174-FCB5-4649-8BDC-4865025AC180}" type="datetimeFigureOut">
               <a:rPr lang="en-US" smtClean="0"/>
-              <a:t>11-Aug-21</a:t>
+              <a:t>21-Sep-21</a:t>
             </a:fld>
             <a:endParaRPr lang="en-US"/>
           </a:p>
@@ -599,7 +606,7 @@
           <a:p>
             <a:fld id="{91806174-FCB5-4649-8BDC-4865025AC180}" type="datetimeFigureOut">
               <a:rPr lang="en-US" smtClean="0"/>
-              <a:t>11-Aug-21</a:t>
+              <a:t>21-Sep-21</a:t>
             </a:fld>
             <a:endParaRPr lang="en-US"/>
           </a:p>
@@ -769,7 +776,7 @@
           <a:p>
             <a:fld id="{91806174-FCB5-4649-8BDC-4865025AC180}" type="datetimeFigureOut">
               <a:rPr lang="en-US" smtClean="0"/>
-              <a:t>11-Aug-21</a:t>
+              <a:t>21-Sep-21</a:t>
             </a:fld>
             <a:endParaRPr lang="en-US"/>
           </a:p>
@@ -1015,7 +1022,7 @@
           <a:p>
             <a:fld id="{91806174-FCB5-4649-8BDC-4865025AC180}" type="datetimeFigureOut">
               <a:rPr lang="en-US" smtClean="0"/>
-              <a:t>11-Aug-21</a:t>
+              <a:t>21-Sep-21</a:t>
             </a:fld>
             <a:endParaRPr lang="en-US"/>
           </a:p>
@@ -1247,7 +1254,7 @@
           <a:p>
             <a:fld id="{91806174-FCB5-4649-8BDC-4865025AC180}" type="datetimeFigureOut">
               <a:rPr lang="en-US" smtClean="0"/>
-              <a:t>11-Aug-21</a:t>
+              <a:t>21-Sep-21</a:t>
             </a:fld>
             <a:endParaRPr lang="en-US"/>
           </a:p>
@@ -1614,7 +1621,7 @@
           <a:p>
             <a:fld id="{91806174-FCB5-4649-8BDC-4865025AC180}" type="datetimeFigureOut">
               <a:rPr lang="en-US" smtClean="0"/>
-              <a:t>11-Aug-21</a:t>
+              <a:t>21-Sep-21</a:t>
             </a:fld>
             <a:endParaRPr lang="en-US"/>
           </a:p>
@@ -1732,7 +1739,7 @@
           <a:p>
             <a:fld id="{91806174-FCB5-4649-8BDC-4865025AC180}" type="datetimeFigureOut">
               <a:rPr lang="en-US" smtClean="0"/>
-              <a:t>11-Aug-21</a:t>
+              <a:t>21-Sep-21</a:t>
             </a:fld>
             <a:endParaRPr lang="en-US"/>
           </a:p>
@@ -1827,7 +1834,7 @@
           <a:p>
             <a:fld id="{91806174-FCB5-4649-8BDC-4865025AC180}" type="datetimeFigureOut">
               <a:rPr lang="en-US" smtClean="0"/>
-              <a:t>11-Aug-21</a:t>
+              <a:t>21-Sep-21</a:t>
             </a:fld>
             <a:endParaRPr lang="en-US"/>
           </a:p>
@@ -2104,7 +2111,7 @@
           <a:p>
             <a:fld id="{91806174-FCB5-4649-8BDC-4865025AC180}" type="datetimeFigureOut">
               <a:rPr lang="en-US" smtClean="0"/>
-              <a:t>11-Aug-21</a:t>
+              <a:t>21-Sep-21</a:t>
             </a:fld>
             <a:endParaRPr lang="en-US"/>
           </a:p>
@@ -2357,7 +2364,7 @@
           <a:p>
             <a:fld id="{91806174-FCB5-4649-8BDC-4865025AC180}" type="datetimeFigureOut">
               <a:rPr lang="en-US" smtClean="0"/>
-              <a:t>11-Aug-21</a:t>
+              <a:t>21-Sep-21</a:t>
             </a:fld>
             <a:endParaRPr lang="en-US"/>
           </a:p>
@@ -2570,7 +2577,7 @@
           <a:p>
             <a:fld id="{91806174-FCB5-4649-8BDC-4865025AC180}" type="datetimeFigureOut">
               <a:rPr lang="en-US" smtClean="0"/>
-              <a:t>11-Aug-21</a:t>
+              <a:t>21-Sep-21</a:t>
             </a:fld>
             <a:endParaRPr lang="en-US"/>
           </a:p>
@@ -3471,6 +3478,333 @@
             <a:spLocks noGrp="1"/>
           </p:cNvSpPr>
           <p:nvPr>
+            <p:ph type="ctrTitle"/>
+          </p:nvPr>
+        </p:nvSpPr>
+        <p:spPr>
+          <a:xfrm>
+            <a:off x="1524000" y="1122363"/>
+            <a:ext cx="9144000" cy="629525"/>
+          </a:xfrm>
+        </p:spPr>
+        <p:txBody>
+          <a:bodyPr>
+            <a:normAutofit/>
+          </a:bodyPr>
+          <a:lstStyle/>
+          <a:p>
+            <a:r>
+              <a:rPr lang="en-US" sz="3600" dirty="0" smtClean="0">
+                <a:latin typeface="Times New Roman" panose="02020603050405020304" pitchFamily="18" charset="0"/>
+                <a:cs typeface="Times New Roman" panose="02020603050405020304" pitchFamily="18" charset="0"/>
+              </a:rPr>
+              <a:t>Future Work</a:t>
+            </a:r>
+            <a:endParaRPr lang="en-US" sz="3600" dirty="0">
+              <a:latin typeface="Times New Roman" panose="02020603050405020304" pitchFamily="18" charset="0"/>
+              <a:cs typeface="Times New Roman" panose="02020603050405020304" pitchFamily="18" charset="0"/>
+            </a:endParaRPr>
+          </a:p>
+        </p:txBody>
+      </p:sp>
+      <p:sp>
+        <p:nvSpPr>
+          <p:cNvPr id="3" name="Subtitle 2"/>
+          <p:cNvSpPr>
+            <a:spLocks noGrp="1"/>
+          </p:cNvSpPr>
+          <p:nvPr>
+            <p:ph type="subTitle" idx="1"/>
+          </p:nvPr>
+        </p:nvSpPr>
+        <p:spPr>
+          <a:xfrm>
+            <a:off x="760576" y="1991170"/>
+            <a:ext cx="10622422" cy="3266630"/>
+          </a:xfrm>
+        </p:spPr>
+        <p:txBody>
+          <a:bodyPr>
+            <a:normAutofit fontScale="92500" lnSpcReduction="10000"/>
+          </a:bodyPr>
+          <a:lstStyle/>
+          <a:p>
+            <a:pPr marL="342900" indent="-342900" algn="just">
+              <a:buFont typeface="Arial" panose="020B0604020202020204" pitchFamily="34" charset="0"/>
+              <a:buChar char="•"/>
+            </a:pPr>
+            <a:r>
+              <a:rPr lang="en-US" u="sng" dirty="0" smtClean="0">
+                <a:latin typeface="Times New Roman" panose="02020603050405020304" pitchFamily="18" charset="0"/>
+                <a:cs typeface="Times New Roman" panose="02020603050405020304" pitchFamily="18" charset="0"/>
+              </a:rPr>
+              <a:t>Design Improvements</a:t>
+            </a:r>
+            <a:r>
+              <a:rPr lang="en-US" dirty="0" smtClean="0">
+                <a:latin typeface="Times New Roman" panose="02020603050405020304" pitchFamily="18" charset="0"/>
+                <a:cs typeface="Times New Roman" panose="02020603050405020304" pitchFamily="18" charset="0"/>
+              </a:rPr>
+              <a:t>: No </a:t>
+            </a:r>
+            <a:r>
+              <a:rPr lang="en-US" dirty="0">
+                <a:latin typeface="Times New Roman" panose="02020603050405020304" pitchFamily="18" charset="0"/>
+                <a:cs typeface="Times New Roman" panose="02020603050405020304" pitchFamily="18" charset="0"/>
+              </a:rPr>
+              <a:t>program has a perfect design without any user interface it is the same here in this program. Even though the program is completed with all the primary functions implemented and work </a:t>
+            </a:r>
+            <a:r>
+              <a:rPr lang="en-US" dirty="0" smtClean="0">
+                <a:latin typeface="Times New Roman" panose="02020603050405020304" pitchFamily="18" charset="0"/>
+                <a:cs typeface="Times New Roman" panose="02020603050405020304" pitchFamily="18" charset="0"/>
+              </a:rPr>
+              <a:t>properly</a:t>
+            </a:r>
+            <a:r>
+              <a:rPr lang="en-US" dirty="0">
+                <a:latin typeface="Times New Roman" panose="02020603050405020304" pitchFamily="18" charset="0"/>
+                <a:cs typeface="Times New Roman" panose="02020603050405020304" pitchFamily="18" charset="0"/>
+              </a:rPr>
+              <a:t>.</a:t>
+            </a:r>
+            <a:r>
+              <a:rPr lang="en-US" dirty="0" smtClean="0">
+                <a:latin typeface="Times New Roman" panose="02020603050405020304" pitchFamily="18" charset="0"/>
+                <a:cs typeface="Times New Roman" panose="02020603050405020304" pitchFamily="18" charset="0"/>
+              </a:rPr>
+              <a:t> </a:t>
+            </a:r>
+            <a:r>
+              <a:rPr lang="en-US" dirty="0">
+                <a:latin typeface="Times New Roman" panose="02020603050405020304" pitchFamily="18" charset="0"/>
+                <a:cs typeface="Times New Roman" panose="02020603050405020304" pitchFamily="18" charset="0"/>
+              </a:rPr>
+              <a:t>For now it is console based project. </a:t>
+            </a:r>
+            <a:endParaRPr lang="en-US" dirty="0" smtClean="0">
+              <a:latin typeface="Times New Roman" panose="02020603050405020304" pitchFamily="18" charset="0"/>
+              <a:cs typeface="Times New Roman" panose="02020603050405020304" pitchFamily="18" charset="0"/>
+            </a:endParaRPr>
+          </a:p>
+          <a:p>
+            <a:pPr marL="342900" indent="-342900" algn="just">
+              <a:buFont typeface="Arial" panose="020B0604020202020204" pitchFamily="34" charset="0"/>
+              <a:buChar char="•"/>
+            </a:pPr>
+            <a:r>
+              <a:rPr lang="en-US" u="sng" dirty="0" smtClean="0">
+                <a:latin typeface="Times New Roman" panose="02020603050405020304" pitchFamily="18" charset="0"/>
+                <a:cs typeface="Times New Roman" panose="02020603050405020304" pitchFamily="18" charset="0"/>
+              </a:rPr>
+              <a:t>Additional </a:t>
+            </a:r>
+            <a:r>
+              <a:rPr lang="en-US" u="sng" dirty="0">
+                <a:latin typeface="Times New Roman" panose="02020603050405020304" pitchFamily="18" charset="0"/>
+                <a:cs typeface="Times New Roman" panose="02020603050405020304" pitchFamily="18" charset="0"/>
+              </a:rPr>
+              <a:t>Functions: </a:t>
+            </a:r>
+            <a:r>
+              <a:rPr lang="en-US" dirty="0">
+                <a:latin typeface="Times New Roman" panose="02020603050405020304" pitchFamily="18" charset="0"/>
+                <a:cs typeface="Times New Roman" panose="02020603050405020304" pitchFamily="18" charset="0"/>
+              </a:rPr>
+              <a:t>There can be more functions which simplify our daily life and make it convenient to use. Functions as playing movies, checking stocks, exchange rate, downloading video from </a:t>
+            </a:r>
+            <a:r>
+              <a:rPr lang="en-US" dirty="0" smtClean="0">
+                <a:latin typeface="Times New Roman" panose="02020603050405020304" pitchFamily="18" charset="0"/>
+                <a:cs typeface="Times New Roman" panose="02020603050405020304" pitchFamily="18" charset="0"/>
+              </a:rPr>
+              <a:t>YouTube </a:t>
+            </a:r>
+            <a:r>
+              <a:rPr lang="en-US" dirty="0">
+                <a:latin typeface="Times New Roman" panose="02020603050405020304" pitchFamily="18" charset="0"/>
+                <a:cs typeface="Times New Roman" panose="02020603050405020304" pitchFamily="18" charset="0"/>
+              </a:rPr>
+              <a:t>and uploading, automate </a:t>
+            </a:r>
+            <a:r>
+              <a:rPr lang="en-US" dirty="0" err="1" smtClean="0">
+                <a:latin typeface="Times New Roman" panose="02020603050405020304" pitchFamily="18" charset="0"/>
+                <a:cs typeface="Times New Roman" panose="02020603050405020304" pitchFamily="18" charset="0"/>
+              </a:rPr>
+              <a:t>WhatsApp</a:t>
+            </a:r>
+            <a:r>
+              <a:rPr lang="en-US" dirty="0">
+                <a:latin typeface="Times New Roman" panose="02020603050405020304" pitchFamily="18" charset="0"/>
+                <a:cs typeface="Times New Roman" panose="02020603050405020304" pitchFamily="18" charset="0"/>
+              </a:rPr>
+              <a:t>, send messages on email etc. </a:t>
+            </a:r>
+            <a:endParaRPr lang="en-US" dirty="0" smtClean="0">
+              <a:latin typeface="Times New Roman" panose="02020603050405020304" pitchFamily="18" charset="0"/>
+              <a:cs typeface="Times New Roman" panose="02020603050405020304" pitchFamily="18" charset="0"/>
+            </a:endParaRPr>
+          </a:p>
+          <a:p>
+            <a:pPr marL="342900" indent="-342900" algn="just">
+              <a:buFont typeface="Arial" panose="020B0604020202020204" pitchFamily="34" charset="0"/>
+              <a:buChar char="•"/>
+            </a:pPr>
+            <a:r>
+              <a:rPr lang="en-US" u="sng" dirty="0" smtClean="0">
+                <a:latin typeface="Times New Roman" panose="02020603050405020304" pitchFamily="18" charset="0"/>
+                <a:cs typeface="Times New Roman" panose="02020603050405020304" pitchFamily="18" charset="0"/>
+              </a:rPr>
+              <a:t>Voice </a:t>
+            </a:r>
+            <a:r>
+              <a:rPr lang="en-US" u="sng" dirty="0">
+                <a:latin typeface="Times New Roman" panose="02020603050405020304" pitchFamily="18" charset="0"/>
+                <a:cs typeface="Times New Roman" panose="02020603050405020304" pitchFamily="18" charset="0"/>
+              </a:rPr>
+              <a:t>Recognition: </a:t>
+            </a:r>
+            <a:r>
+              <a:rPr lang="en-US" dirty="0">
+                <a:latin typeface="Times New Roman" panose="02020603050405020304" pitchFamily="18" charset="0"/>
+                <a:cs typeface="Times New Roman" panose="02020603050405020304" pitchFamily="18" charset="0"/>
+              </a:rPr>
+              <a:t>Give the all the secret information about user. Then it recognize voice the say accordingly. More Voice: Adding more voice option to communicate. Translation: Translate into any language.</a:t>
+            </a:r>
+          </a:p>
+        </p:txBody>
+      </p:sp>
+    </p:spTree>
+    <p:extLst>
+      <p:ext uri="{BB962C8B-B14F-4D97-AF65-F5344CB8AC3E}">
+        <p14:creationId xmlns:p14="http://schemas.microsoft.com/office/powerpoint/2010/main" val="3415315259"/>
+      </p:ext>
+    </p:extLst>
+  </p:cSld>
+  <p:clrMapOvr>
+    <a:masterClrMapping/>
+  </p:clrMapOvr>
+</p:sld>
+</file>
+
+<file path=ppt/slides/slide13.xml><?xml version="1.0" encoding="utf-8"?>
+<p:sld xmlns:a="http://schemas.openxmlformats.org/drawingml/2006/main" xmlns:r="http://schemas.openxmlformats.org/officeDocument/2006/relationships" xmlns:p="http://schemas.openxmlformats.org/presentationml/2006/main">
+  <p:cSld>
+    <p:spTree>
+      <p:nvGrpSpPr>
+        <p:cNvPr id="1" name=""/>
+        <p:cNvGrpSpPr/>
+        <p:nvPr/>
+      </p:nvGrpSpPr>
+      <p:grpSpPr>
+        <a:xfrm>
+          <a:off x="0" y="0"/>
+          <a:ext cx="0" cy="0"/>
+          <a:chOff x="0" y="0"/>
+          <a:chExt cx="0" cy="0"/>
+        </a:xfrm>
+      </p:grpSpPr>
+      <p:sp>
+        <p:nvSpPr>
+          <p:cNvPr id="2" name="Title 1"/>
+          <p:cNvSpPr>
+            <a:spLocks noGrp="1"/>
+          </p:cNvSpPr>
+          <p:nvPr>
+            <p:ph type="ctrTitle"/>
+          </p:nvPr>
+        </p:nvSpPr>
+        <p:spPr>
+          <a:xfrm>
+            <a:off x="1524000" y="1122363"/>
+            <a:ext cx="9144000" cy="962811"/>
+          </a:xfrm>
+        </p:spPr>
+        <p:txBody>
+          <a:bodyPr/>
+          <a:lstStyle/>
+          <a:p>
+            <a:r>
+              <a:rPr lang="en-US" dirty="0">
+                <a:latin typeface="Times New Roman" panose="02020603050405020304" pitchFamily="18" charset="0"/>
+                <a:cs typeface="Times New Roman" panose="02020603050405020304" pitchFamily="18" charset="0"/>
+              </a:rPr>
+              <a:t>Conclusions</a:t>
+            </a:r>
+          </a:p>
+        </p:txBody>
+      </p:sp>
+      <p:sp>
+        <p:nvSpPr>
+          <p:cNvPr id="3" name="Subtitle 2"/>
+          <p:cNvSpPr>
+            <a:spLocks noGrp="1"/>
+          </p:cNvSpPr>
+          <p:nvPr>
+            <p:ph type="subTitle" idx="1"/>
+          </p:nvPr>
+        </p:nvSpPr>
+        <p:spPr>
+          <a:xfrm>
+            <a:off x="1524000" y="2435551"/>
+            <a:ext cx="9144000" cy="2822249"/>
+          </a:xfrm>
+        </p:spPr>
+        <p:txBody>
+          <a:bodyPr>
+            <a:normAutofit lnSpcReduction="10000"/>
+          </a:bodyPr>
+          <a:lstStyle/>
+          <a:p>
+            <a:pPr algn="just"/>
+            <a:r>
+              <a:rPr lang="en-US" dirty="0">
+                <a:latin typeface="Times New Roman" panose="02020603050405020304" pitchFamily="18" charset="0"/>
+                <a:cs typeface="Times New Roman" panose="02020603050405020304" pitchFamily="18" charset="0"/>
+              </a:rPr>
+              <a:t>As it has been previous stated, the program is mainly concerns with the techniques of windows application development, python programming, different APIs for Google products etc. The development is carried out as its primary planning which guide the work process of how to work with the program, how much time should the each of the developers spent in every week, the rescores needed for developing and how to handle the problems while it came up. The project was efficiently completed under the development model and the resources we found in early time were really useful when implementing the program.</a:t>
+            </a:r>
+          </a:p>
+        </p:txBody>
+      </p:sp>
+    </p:spTree>
+    <p:extLst>
+      <p:ext uri="{BB962C8B-B14F-4D97-AF65-F5344CB8AC3E}">
+        <p14:creationId xmlns:p14="http://schemas.microsoft.com/office/powerpoint/2010/main" val="4069212383"/>
+      </p:ext>
+    </p:extLst>
+  </p:cSld>
+  <p:clrMapOvr>
+    <a:masterClrMapping/>
+  </p:clrMapOvr>
+</p:sld>
+</file>
+
+<file path=ppt/slides/slide14.xml><?xml version="1.0" encoding="utf-8"?>
+<p:sld xmlns:a="http://schemas.openxmlformats.org/drawingml/2006/main" xmlns:r="http://schemas.openxmlformats.org/officeDocument/2006/relationships" xmlns:p="http://schemas.openxmlformats.org/presentationml/2006/main">
+  <p:cSld>
+    <p:spTree>
+      <p:nvGrpSpPr>
+        <p:cNvPr id="1" name=""/>
+        <p:cNvGrpSpPr/>
+        <p:nvPr/>
+      </p:nvGrpSpPr>
+      <p:grpSpPr>
+        <a:xfrm>
+          <a:off x="0" y="0"/>
+          <a:ext cx="0" cy="0"/>
+          <a:chOff x="0" y="0"/>
+          <a:chExt cx="0" cy="0"/>
+        </a:xfrm>
+      </p:grpSpPr>
+      <p:sp>
+        <p:nvSpPr>
+          <p:cNvPr id="2" name="Title 1"/>
+          <p:cNvSpPr>
+            <a:spLocks noGrp="1"/>
+          </p:cNvSpPr>
+          <p:nvPr>
             <p:ph type="title"/>
           </p:nvPr>
         </p:nvSpPr>
@@ -3612,7 +3946,21 @@
                 <a:latin typeface="Times New Roman" panose="02020603050405020304" pitchFamily="18" charset="0"/>
                 <a:cs typeface="Times New Roman" panose="02020603050405020304" pitchFamily="18" charset="0"/>
               </a:rPr>
-              <a:t>This project is based on windows system and provide personal assistant using voice recognition. This program includes the functions and services of: set alarm, music player service, checking weather, Google searching engine, Wikipedia searching engine</a:t>
+              <a:t>This project is based on windows system and provide personal assistant using voice recognition. This program includes the functions and services of: </a:t>
+            </a:r>
+            <a:r>
+              <a:rPr lang="en-US" sz="1900" dirty="0" smtClean="0">
+                <a:latin typeface="Times New Roman" panose="02020603050405020304" pitchFamily="18" charset="0"/>
+                <a:cs typeface="Times New Roman" panose="02020603050405020304" pitchFamily="18" charset="0"/>
+              </a:rPr>
+              <a:t>music </a:t>
+            </a:r>
+            <a:r>
+              <a:rPr lang="en-US" sz="1900" dirty="0">
+                <a:latin typeface="Times New Roman" panose="02020603050405020304" pitchFamily="18" charset="0"/>
+                <a:cs typeface="Times New Roman" panose="02020603050405020304" pitchFamily="18" charset="0"/>
+              </a:rPr>
+              <a:t>player service, checking weather, Google searching engine, Wikipedia searching engine</a:t>
             </a:r>
             <a:r>
               <a:rPr lang="en-US" sz="1900" dirty="0" smtClean="0">

--- a/Documentation/DESKTOP PERSONAL ASSISTANT.pptx
+++ b/Documentation/DESKTOP PERSONAL ASSISTANT.pptx
@@ -16,9 +16,10 @@
     <p:sldId id="266" r:id="rId10"/>
     <p:sldId id="262" r:id="rId11"/>
     <p:sldId id="263" r:id="rId12"/>
-    <p:sldId id="268" r:id="rId13"/>
-    <p:sldId id="269" r:id="rId14"/>
-    <p:sldId id="267" r:id="rId15"/>
+    <p:sldId id="270" r:id="rId13"/>
+    <p:sldId id="268" r:id="rId14"/>
+    <p:sldId id="269" r:id="rId15"/>
+    <p:sldId id="267" r:id="rId16"/>
   </p:sldIdLst>
   <p:sldSz cx="12192000" cy="6858000"/>
   <p:notesSz cx="6858000" cy="9144000"/>
@@ -3005,19 +3006,13 @@
           <a:lstStyle/>
           <a:p>
             <a:r>
-              <a:rPr lang="en-US" sz="3600" dirty="0" smtClean="0">
-                <a:solidFill>
-                  <a:schemeClr val="accent1"/>
-                </a:solidFill>
+              <a:rPr lang="en-US" sz="4400" b="1" dirty="0" smtClean="0">
                 <a:latin typeface="Times New Roman" panose="02020603050405020304" pitchFamily="18" charset="0"/>
                 <a:cs typeface="Times New Roman" panose="02020603050405020304" pitchFamily="18" charset="0"/>
               </a:rPr>
               <a:t>DESKTOP PERSONAL ASSISTANT</a:t>
             </a:r>
-            <a:endParaRPr lang="en-US" sz="3600" dirty="0">
-              <a:solidFill>
-                <a:schemeClr val="accent1"/>
-              </a:solidFill>
+            <a:endParaRPr lang="en-US" sz="4400" b="1" dirty="0">
               <a:latin typeface="Times New Roman" panose="02020603050405020304" pitchFamily="18" charset="0"/>
               <a:cs typeface="Times New Roman" panose="02020603050405020304" pitchFamily="18" charset="0"/>
             </a:endParaRPr>
@@ -3277,6 +3272,13 @@
   <p:clrMapOvr>
     <a:masterClrMapping/>
   </p:clrMapOvr>
+  <p:timing>
+    <p:tnLst>
+      <p:par>
+        <p:cTn id="1" dur="indefinite" restart="never" nodeType="tmRoot"/>
+      </p:par>
+    </p:tnLst>
+  </p:timing>
 </p:sld>
 </file>
 
@@ -3314,10 +3316,16 @@
           <a:p>
             <a:pPr algn="ctr"/>
             <a:r>
-              <a:rPr lang="en-US" dirty="0" smtClean="0"/>
+              <a:rPr lang="en-US" dirty="0" smtClean="0">
+                <a:latin typeface="Times New Roman" panose="02020603050405020304" pitchFamily="18" charset="0"/>
+                <a:cs typeface="Times New Roman" panose="02020603050405020304" pitchFamily="18" charset="0"/>
+              </a:rPr>
               <a:t>ER DIAGRAM</a:t>
             </a:r>
-            <a:endParaRPr lang="en-US" dirty="0"/>
+            <a:endParaRPr lang="en-US" dirty="0">
+              <a:latin typeface="Times New Roman" panose="02020603050405020304" pitchFamily="18" charset="0"/>
+              <a:cs typeface="Times New Roman" panose="02020603050405020304" pitchFamily="18" charset="0"/>
+            </a:endParaRPr>
           </a:p>
         </p:txBody>
       </p:sp>
@@ -3360,6 +3368,13 @@
   <p:clrMapOvr>
     <a:masterClrMapping/>
   </p:clrMapOvr>
+  <p:timing>
+    <p:tnLst>
+      <p:par>
+        <p:cTn id="1" dur="indefinite" restart="never" nodeType="tmRoot"/>
+      </p:par>
+    </p:tnLst>
+  </p:timing>
 </p:sld>
 </file>
 
@@ -3451,6 +3466,13 @@
   <p:clrMapOvr>
     <a:masterClrMapping/>
   </p:clrMapOvr>
+  <p:timing>
+    <p:tnLst>
+      <p:par>
+        <p:cTn id="1" dur="indefinite" restart="never" nodeType="tmRoot"/>
+      </p:par>
+    </p:tnLst>
+  </p:timing>
 </p:sld>
 </file>
 
@@ -3478,213 +3500,76 @@
             <a:spLocks noGrp="1"/>
           </p:cNvSpPr>
           <p:nvPr>
-            <p:ph type="ctrTitle"/>
-          </p:nvPr>
-        </p:nvSpPr>
-        <p:spPr>
-          <a:xfrm>
-            <a:off x="1524000" y="1122363"/>
-            <a:ext cx="9144000" cy="629525"/>
-          </a:xfrm>
-        </p:spPr>
+            <p:ph type="title"/>
+          </p:nvPr>
+        </p:nvSpPr>
+        <p:spPr/>
         <p:txBody>
           <a:bodyPr>
             <a:normAutofit/>
           </a:bodyPr>
           <a:lstStyle/>
           <a:p>
-            <a:r>
-              <a:rPr lang="en-US" sz="3600" dirty="0" smtClean="0">
-                <a:latin typeface="Times New Roman" panose="02020603050405020304" pitchFamily="18" charset="0"/>
-                <a:cs typeface="Times New Roman" panose="02020603050405020304" pitchFamily="18" charset="0"/>
-              </a:rPr>
-              <a:t>Future Work</a:t>
-            </a:r>
-            <a:endParaRPr lang="en-US" sz="3600" dirty="0">
+            <a:pPr algn="ctr"/>
+            <a:r>
+              <a:rPr lang="en-US" sz="4800" b="1" dirty="0" err="1" smtClean="0">
+                <a:latin typeface="Times New Roman" panose="02020603050405020304" pitchFamily="18" charset="0"/>
+                <a:cs typeface="Times New Roman" panose="02020603050405020304" pitchFamily="18" charset="0"/>
+              </a:rPr>
+              <a:t>ScreenShot</a:t>
+            </a:r>
+            <a:endParaRPr lang="en-US" sz="4800" b="1" dirty="0">
               <a:latin typeface="Times New Roman" panose="02020603050405020304" pitchFamily="18" charset="0"/>
               <a:cs typeface="Times New Roman" panose="02020603050405020304" pitchFamily="18" charset="0"/>
             </a:endParaRPr>
           </a:p>
         </p:txBody>
       </p:sp>
-      <p:sp>
-        <p:nvSpPr>
-          <p:cNvPr id="3" name="Subtitle 2"/>
-          <p:cNvSpPr>
-            <a:spLocks noGrp="1"/>
-          </p:cNvSpPr>
-          <p:nvPr>
-            <p:ph type="subTitle" idx="1"/>
-          </p:nvPr>
-        </p:nvSpPr>
+      <p:pic>
+        <p:nvPicPr>
+          <p:cNvPr id="4" name="Content Placeholder 3"/>
+          <p:cNvPicPr>
+            <a:picLocks noGrp="1" noChangeAspect="1"/>
+          </p:cNvPicPr>
+          <p:nvPr>
+            <p:ph idx="1"/>
+          </p:nvPr>
+        </p:nvPicPr>
+        <p:blipFill rotWithShape="1">
+          <a:blip r:embed="rId2" cstate="print">
+            <a:extLst>
+              <a:ext uri="{28A0092B-C50C-407E-A947-70E740481C1C}">
+                <a14:useLocalDpi xmlns:a14="http://schemas.microsoft.com/office/drawing/2010/main" val="0"/>
+              </a:ext>
+            </a:extLst>
+          </a:blip>
+          <a:srcRect t="3412" r="30483" b="39830"/>
+          <a:stretch/>
+        </p:blipFill>
         <p:spPr>
           <a:xfrm>
-            <a:off x="760576" y="1991170"/>
-            <a:ext cx="10622422" cy="3266630"/>
+            <a:off x="1187865" y="1974078"/>
+            <a:ext cx="9810572" cy="4409629"/>
           </a:xfrm>
         </p:spPr>
-        <p:txBody>
-          <a:bodyPr>
-            <a:normAutofit fontScale="92500" lnSpcReduction="10000"/>
-          </a:bodyPr>
-          <a:lstStyle/>
-          <a:p>
-            <a:pPr marL="342900" indent="-342900" algn="just">
-              <a:buFont typeface="Arial" panose="020B0604020202020204" pitchFamily="34" charset="0"/>
-              <a:buChar char="•"/>
-            </a:pPr>
-            <a:r>
-              <a:rPr lang="en-US" u="sng" dirty="0" smtClean="0">
-                <a:latin typeface="Times New Roman" panose="02020603050405020304" pitchFamily="18" charset="0"/>
-                <a:cs typeface="Times New Roman" panose="02020603050405020304" pitchFamily="18" charset="0"/>
-              </a:rPr>
-              <a:t>Design Improvements</a:t>
-            </a:r>
-            <a:r>
-              <a:rPr lang="en-US" dirty="0" smtClean="0">
-                <a:latin typeface="Times New Roman" panose="02020603050405020304" pitchFamily="18" charset="0"/>
-                <a:cs typeface="Times New Roman" panose="02020603050405020304" pitchFamily="18" charset="0"/>
-              </a:rPr>
-              <a:t>: No </a:t>
-            </a:r>
-            <a:r>
-              <a:rPr lang="en-US" dirty="0">
-                <a:latin typeface="Times New Roman" panose="02020603050405020304" pitchFamily="18" charset="0"/>
-                <a:cs typeface="Times New Roman" panose="02020603050405020304" pitchFamily="18" charset="0"/>
-              </a:rPr>
-              <a:t>program has a perfect design without any user interface it is the same here in this program. Even though the program is completed with all the primary functions implemented and work </a:t>
-            </a:r>
-            <a:r>
-              <a:rPr lang="en-US" dirty="0" smtClean="0">
-                <a:latin typeface="Times New Roman" panose="02020603050405020304" pitchFamily="18" charset="0"/>
-                <a:cs typeface="Times New Roman" panose="02020603050405020304" pitchFamily="18" charset="0"/>
-              </a:rPr>
-              <a:t>properly</a:t>
-            </a:r>
-            <a:r>
-              <a:rPr lang="en-US" dirty="0">
-                <a:latin typeface="Times New Roman" panose="02020603050405020304" pitchFamily="18" charset="0"/>
-                <a:cs typeface="Times New Roman" panose="02020603050405020304" pitchFamily="18" charset="0"/>
-              </a:rPr>
-              <a:t>.</a:t>
-            </a:r>
-            <a:r>
-              <a:rPr lang="en-US" dirty="0" smtClean="0">
-                <a:latin typeface="Times New Roman" panose="02020603050405020304" pitchFamily="18" charset="0"/>
-                <a:cs typeface="Times New Roman" panose="02020603050405020304" pitchFamily="18" charset="0"/>
-              </a:rPr>
-              <a:t> </a:t>
-            </a:r>
-            <a:r>
-              <a:rPr lang="en-US" dirty="0">
-                <a:latin typeface="Times New Roman" panose="02020603050405020304" pitchFamily="18" charset="0"/>
-                <a:cs typeface="Times New Roman" panose="02020603050405020304" pitchFamily="18" charset="0"/>
-              </a:rPr>
-              <a:t>For now it is console based project. </a:t>
-            </a:r>
-            <a:endParaRPr lang="en-US" dirty="0" smtClean="0">
-              <a:latin typeface="Times New Roman" panose="02020603050405020304" pitchFamily="18" charset="0"/>
-              <a:cs typeface="Times New Roman" panose="02020603050405020304" pitchFamily="18" charset="0"/>
-            </a:endParaRPr>
-          </a:p>
-          <a:p>
-            <a:pPr marL="342900" indent="-342900" algn="just">
-              <a:buFont typeface="Arial" panose="020B0604020202020204" pitchFamily="34" charset="0"/>
-              <a:buChar char="•"/>
-            </a:pPr>
-            <a:r>
-              <a:rPr lang="en-US" u="sng" dirty="0" smtClean="0">
-                <a:latin typeface="Times New Roman" panose="02020603050405020304" pitchFamily="18" charset="0"/>
-                <a:cs typeface="Times New Roman" panose="02020603050405020304" pitchFamily="18" charset="0"/>
-              </a:rPr>
-              <a:t>Additional </a:t>
-            </a:r>
-            <a:r>
-              <a:rPr lang="en-US" u="sng" dirty="0">
-                <a:latin typeface="Times New Roman" panose="02020603050405020304" pitchFamily="18" charset="0"/>
-                <a:cs typeface="Times New Roman" panose="02020603050405020304" pitchFamily="18" charset="0"/>
-              </a:rPr>
-              <a:t>Functions: </a:t>
-            </a:r>
-            <a:r>
-              <a:rPr lang="en-US" dirty="0">
-                <a:latin typeface="Times New Roman" panose="02020603050405020304" pitchFamily="18" charset="0"/>
-                <a:cs typeface="Times New Roman" panose="02020603050405020304" pitchFamily="18" charset="0"/>
-              </a:rPr>
-              <a:t>There can be more functions which simplify our daily life and make it convenient to use. Functions as playing movies, checking stocks, exchange rate, downloading video from </a:t>
-            </a:r>
-            <a:r>
-              <a:rPr lang="en-US" dirty="0" smtClean="0">
-                <a:latin typeface="Times New Roman" panose="02020603050405020304" pitchFamily="18" charset="0"/>
-                <a:cs typeface="Times New Roman" panose="02020603050405020304" pitchFamily="18" charset="0"/>
-              </a:rPr>
-              <a:t>YouTube </a:t>
-            </a:r>
-            <a:r>
-              <a:rPr lang="en-US" dirty="0">
-                <a:latin typeface="Times New Roman" panose="02020603050405020304" pitchFamily="18" charset="0"/>
-                <a:cs typeface="Times New Roman" panose="02020603050405020304" pitchFamily="18" charset="0"/>
-              </a:rPr>
-              <a:t>and uploading, automate </a:t>
-            </a:r>
-            <a:r>
-              <a:rPr lang="en-US" dirty="0" err="1" smtClean="0">
-                <a:latin typeface="Times New Roman" panose="02020603050405020304" pitchFamily="18" charset="0"/>
-                <a:cs typeface="Times New Roman" panose="02020603050405020304" pitchFamily="18" charset="0"/>
-              </a:rPr>
-              <a:t>WhatsApp</a:t>
-            </a:r>
-            <a:r>
-              <a:rPr lang="en-US" dirty="0">
-                <a:latin typeface="Times New Roman" panose="02020603050405020304" pitchFamily="18" charset="0"/>
-                <a:cs typeface="Times New Roman" panose="02020603050405020304" pitchFamily="18" charset="0"/>
-              </a:rPr>
-              <a:t>, send messages on email etc. </a:t>
-            </a:r>
-            <a:endParaRPr lang="en-US" dirty="0" smtClean="0">
-              <a:latin typeface="Times New Roman" panose="02020603050405020304" pitchFamily="18" charset="0"/>
-              <a:cs typeface="Times New Roman" panose="02020603050405020304" pitchFamily="18" charset="0"/>
-            </a:endParaRPr>
-          </a:p>
-          <a:p>
-            <a:pPr marL="342900" indent="-342900" algn="just">
-              <a:buFont typeface="Arial" panose="020B0604020202020204" pitchFamily="34" charset="0"/>
-              <a:buChar char="•"/>
-            </a:pPr>
-            <a:r>
-              <a:rPr lang="en-US" u="sng" dirty="0" smtClean="0">
-                <a:latin typeface="Times New Roman" panose="02020603050405020304" pitchFamily="18" charset="0"/>
-                <a:cs typeface="Times New Roman" panose="02020603050405020304" pitchFamily="18" charset="0"/>
-              </a:rPr>
-              <a:t>Voice </a:t>
-            </a:r>
-            <a:r>
-              <a:rPr lang="en-US" u="sng" dirty="0">
-                <a:latin typeface="Times New Roman" panose="02020603050405020304" pitchFamily="18" charset="0"/>
-                <a:cs typeface="Times New Roman" panose="02020603050405020304" pitchFamily="18" charset="0"/>
-              </a:rPr>
-              <a:t>Recognition: </a:t>
-            </a:r>
-            <a:r>
-              <a:rPr lang="en-US" dirty="0">
-                <a:latin typeface="Times New Roman" panose="02020603050405020304" pitchFamily="18" charset="0"/>
-                <a:cs typeface="Times New Roman" panose="02020603050405020304" pitchFamily="18" charset="0"/>
-              </a:rPr>
-              <a:t>Give the all the secret information about user. Then it recognize voice the say accordingly. More Voice: Adding more voice option to communicate. Translation: Translate into any language.</a:t>
-            </a:r>
-          </a:p>
-        </p:txBody>
-      </p:sp>
+      </p:pic>
     </p:spTree>
     <p:extLst>
       <p:ext uri="{BB962C8B-B14F-4D97-AF65-F5344CB8AC3E}">
-        <p14:creationId xmlns:p14="http://schemas.microsoft.com/office/powerpoint/2010/main" val="3415315259"/>
+        <p14:creationId xmlns:p14="http://schemas.microsoft.com/office/powerpoint/2010/main" val="1172302522"/>
       </p:ext>
     </p:extLst>
   </p:cSld>
   <p:clrMapOvr>
     <a:masterClrMapping/>
   </p:clrMapOvr>
+  <p:timing>
+    <p:tnLst>
+      <p:par>
+        <p:cTn id="1" dur="indefinite" restart="never" nodeType="tmRoot"/>
+      </p:par>
+    </p:tnLst>
+  </p:timing>
 </p:sld>
 </file>
 
@@ -3718,20 +3603,26 @@
         <p:spPr>
           <a:xfrm>
             <a:off x="1524000" y="1122363"/>
-            <a:ext cx="9144000" cy="962811"/>
+            <a:ext cx="9144000" cy="629525"/>
           </a:xfrm>
         </p:spPr>
         <p:txBody>
-          <a:bodyPr/>
-          <a:lstStyle/>
-          <a:p>
-            <a:r>
-              <a:rPr lang="en-US" dirty="0">
-                <a:latin typeface="Times New Roman" panose="02020603050405020304" pitchFamily="18" charset="0"/>
-                <a:cs typeface="Times New Roman" panose="02020603050405020304" pitchFamily="18" charset="0"/>
-              </a:rPr>
-              <a:t>Conclusions</a:t>
-            </a:r>
+          <a:bodyPr>
+            <a:normAutofit/>
+          </a:bodyPr>
+          <a:lstStyle/>
+          <a:p>
+            <a:r>
+              <a:rPr lang="en-US" sz="3600" dirty="0" smtClean="0">
+                <a:latin typeface="Times New Roman" panose="02020603050405020304" pitchFamily="18" charset="0"/>
+                <a:cs typeface="Times New Roman" panose="02020603050405020304" pitchFamily="18" charset="0"/>
+              </a:rPr>
+              <a:t>Future Work</a:t>
+            </a:r>
+            <a:endParaRPr lang="en-US" sz="3600" dirty="0">
+              <a:latin typeface="Times New Roman" panose="02020603050405020304" pitchFamily="18" charset="0"/>
+              <a:cs typeface="Times New Roman" panose="02020603050405020304" pitchFamily="18" charset="0"/>
+            </a:endParaRPr>
           </a:p>
         </p:txBody>
       </p:sp>
@@ -3747,23 +3638,158 @@
         </p:nvSpPr>
         <p:spPr>
           <a:xfrm>
-            <a:off x="1524000" y="2435551"/>
-            <a:ext cx="9144000" cy="2822249"/>
+            <a:off x="760576" y="1991170"/>
+            <a:ext cx="10622422" cy="3266630"/>
           </a:xfrm>
         </p:spPr>
         <p:txBody>
           <a:bodyPr>
-            <a:normAutofit lnSpcReduction="10000"/>
+            <a:normAutofit fontScale="92500" lnSpcReduction="10000"/>
           </a:bodyPr>
           <a:lstStyle/>
           <a:p>
-            <a:pPr algn="just"/>
+            <a:pPr marL="342900" indent="-342900" algn="just">
+              <a:buFont typeface="Arial" panose="020B0604020202020204" pitchFamily="34" charset="0"/>
+              <a:buChar char="•"/>
+            </a:pPr>
+            <a:r>
+              <a:rPr lang="en-US" u="sng" dirty="0" smtClean="0">
+                <a:latin typeface="Times New Roman" panose="02020603050405020304" pitchFamily="18" charset="0"/>
+                <a:cs typeface="Times New Roman" panose="02020603050405020304" pitchFamily="18" charset="0"/>
+              </a:rPr>
+              <a:t>Design Improvements</a:t>
+            </a:r>
+            <a:r>
+              <a:rPr lang="en-US" dirty="0" smtClean="0">
+                <a:latin typeface="Times New Roman" panose="02020603050405020304" pitchFamily="18" charset="0"/>
+                <a:cs typeface="Times New Roman" panose="02020603050405020304" pitchFamily="18" charset="0"/>
+              </a:rPr>
+              <a:t>: No </a:t>
+            </a:r>
             <a:r>
               <a:rPr lang="en-US" dirty="0">
                 <a:latin typeface="Times New Roman" panose="02020603050405020304" pitchFamily="18" charset="0"/>
                 <a:cs typeface="Times New Roman" panose="02020603050405020304" pitchFamily="18" charset="0"/>
               </a:rPr>
-              <a:t>As it has been previous stated, the program is mainly concerns with the techniques of windows application development, python programming, different APIs for Google products etc. The development is carried out as its primary planning which guide the work process of how to work with the program, how much time should the each of the developers spent in every week, the rescores needed for developing and how to handle the problems while it came up. The project was efficiently completed under the development model and the resources we found in early time were really useful when implementing the program.</a:t>
+              <a:t>program has a perfect design without any user interface it is the same here in this program. Even though the program is completed with all the primary functions implemented and work </a:t>
+            </a:r>
+            <a:r>
+              <a:rPr lang="en-US" dirty="0" smtClean="0">
+                <a:latin typeface="Times New Roman" panose="02020603050405020304" pitchFamily="18" charset="0"/>
+                <a:cs typeface="Times New Roman" panose="02020603050405020304" pitchFamily="18" charset="0"/>
+              </a:rPr>
+              <a:t>properly</a:t>
+            </a:r>
+            <a:r>
+              <a:rPr lang="en-US" dirty="0">
+                <a:latin typeface="Times New Roman" panose="02020603050405020304" pitchFamily="18" charset="0"/>
+                <a:cs typeface="Times New Roman" panose="02020603050405020304" pitchFamily="18" charset="0"/>
+              </a:rPr>
+              <a:t>.</a:t>
+            </a:r>
+            <a:r>
+              <a:rPr lang="en-US" dirty="0" smtClean="0">
+                <a:latin typeface="Times New Roman" panose="02020603050405020304" pitchFamily="18" charset="0"/>
+                <a:cs typeface="Times New Roman" panose="02020603050405020304" pitchFamily="18" charset="0"/>
+              </a:rPr>
+              <a:t> </a:t>
+            </a:r>
+            <a:r>
+              <a:rPr lang="en-US" dirty="0">
+                <a:latin typeface="Times New Roman" panose="02020603050405020304" pitchFamily="18" charset="0"/>
+                <a:cs typeface="Times New Roman" panose="02020603050405020304" pitchFamily="18" charset="0"/>
+              </a:rPr>
+              <a:t>For now it is console based project. </a:t>
+            </a:r>
+            <a:endParaRPr lang="en-US" dirty="0" smtClean="0">
+              <a:latin typeface="Times New Roman" panose="02020603050405020304" pitchFamily="18" charset="0"/>
+              <a:cs typeface="Times New Roman" panose="02020603050405020304" pitchFamily="18" charset="0"/>
+            </a:endParaRPr>
+          </a:p>
+          <a:p>
+            <a:pPr marL="342900" indent="-342900" algn="just">
+              <a:buFont typeface="Arial" panose="020B0604020202020204" pitchFamily="34" charset="0"/>
+              <a:buChar char="•"/>
+            </a:pPr>
+            <a:r>
+              <a:rPr lang="en-US" u="sng" dirty="0" smtClean="0">
+                <a:latin typeface="Times New Roman" panose="02020603050405020304" pitchFamily="18" charset="0"/>
+                <a:cs typeface="Times New Roman" panose="02020603050405020304" pitchFamily="18" charset="0"/>
+              </a:rPr>
+              <a:t>Additional </a:t>
+            </a:r>
+            <a:r>
+              <a:rPr lang="en-US" u="sng" dirty="0">
+                <a:latin typeface="Times New Roman" panose="02020603050405020304" pitchFamily="18" charset="0"/>
+                <a:cs typeface="Times New Roman" panose="02020603050405020304" pitchFamily="18" charset="0"/>
+              </a:rPr>
+              <a:t>Functions: </a:t>
+            </a:r>
+            <a:r>
+              <a:rPr lang="en-US" dirty="0">
+                <a:latin typeface="Times New Roman" panose="02020603050405020304" pitchFamily="18" charset="0"/>
+                <a:cs typeface="Times New Roman" panose="02020603050405020304" pitchFamily="18" charset="0"/>
+              </a:rPr>
+              <a:t>There can be more functions which simplify our daily life and make it convenient to use. Functions as playing movies, checking stocks, exchange rate, downloading video from </a:t>
+            </a:r>
+            <a:r>
+              <a:rPr lang="en-US" dirty="0" smtClean="0">
+                <a:latin typeface="Times New Roman" panose="02020603050405020304" pitchFamily="18" charset="0"/>
+                <a:cs typeface="Times New Roman" panose="02020603050405020304" pitchFamily="18" charset="0"/>
+              </a:rPr>
+              <a:t>YouTube </a:t>
+            </a:r>
+            <a:r>
+              <a:rPr lang="en-US" dirty="0">
+                <a:latin typeface="Times New Roman" panose="02020603050405020304" pitchFamily="18" charset="0"/>
+                <a:cs typeface="Times New Roman" panose="02020603050405020304" pitchFamily="18" charset="0"/>
+              </a:rPr>
+              <a:t>and uploading, automate </a:t>
+            </a:r>
+            <a:r>
+              <a:rPr lang="en-US" dirty="0" err="1" smtClean="0">
+                <a:latin typeface="Times New Roman" panose="02020603050405020304" pitchFamily="18" charset="0"/>
+                <a:cs typeface="Times New Roman" panose="02020603050405020304" pitchFamily="18" charset="0"/>
+              </a:rPr>
+              <a:t>WhatsApp</a:t>
+            </a:r>
+            <a:r>
+              <a:rPr lang="en-US" dirty="0">
+                <a:latin typeface="Times New Roman" panose="02020603050405020304" pitchFamily="18" charset="0"/>
+                <a:cs typeface="Times New Roman" panose="02020603050405020304" pitchFamily="18" charset="0"/>
+              </a:rPr>
+              <a:t>, send messages on email etc. </a:t>
+            </a:r>
+            <a:endParaRPr lang="en-US" dirty="0" smtClean="0">
+              <a:latin typeface="Times New Roman" panose="02020603050405020304" pitchFamily="18" charset="0"/>
+              <a:cs typeface="Times New Roman" panose="02020603050405020304" pitchFamily="18" charset="0"/>
+            </a:endParaRPr>
+          </a:p>
+          <a:p>
+            <a:pPr marL="342900" indent="-342900" algn="just">
+              <a:buFont typeface="Arial" panose="020B0604020202020204" pitchFamily="34" charset="0"/>
+              <a:buChar char="•"/>
+            </a:pPr>
+            <a:r>
+              <a:rPr lang="en-US" u="sng" dirty="0" smtClean="0">
+                <a:latin typeface="Times New Roman" panose="02020603050405020304" pitchFamily="18" charset="0"/>
+                <a:cs typeface="Times New Roman" panose="02020603050405020304" pitchFamily="18" charset="0"/>
+              </a:rPr>
+              <a:t>Voice </a:t>
+            </a:r>
+            <a:r>
+              <a:rPr lang="en-US" u="sng" dirty="0">
+                <a:latin typeface="Times New Roman" panose="02020603050405020304" pitchFamily="18" charset="0"/>
+                <a:cs typeface="Times New Roman" panose="02020603050405020304" pitchFamily="18" charset="0"/>
+              </a:rPr>
+              <a:t>Recognition: </a:t>
+            </a:r>
+            <a:r>
+              <a:rPr lang="en-US" dirty="0">
+                <a:latin typeface="Times New Roman" panose="02020603050405020304" pitchFamily="18" charset="0"/>
+                <a:cs typeface="Times New Roman" panose="02020603050405020304" pitchFamily="18" charset="0"/>
+              </a:rPr>
+              <a:t>Give the all the secret information about user. Then it recognize voice the say accordingly. More Voice: Adding more voice option to communicate. Translation: Translate into any language.</a:t>
             </a:r>
           </a:p>
         </p:txBody>
@@ -3771,13 +3797,20 @@
     </p:spTree>
     <p:extLst>
       <p:ext uri="{BB962C8B-B14F-4D97-AF65-F5344CB8AC3E}">
-        <p14:creationId xmlns:p14="http://schemas.microsoft.com/office/powerpoint/2010/main" val="4069212383"/>
+        <p14:creationId xmlns:p14="http://schemas.microsoft.com/office/powerpoint/2010/main" val="3415315259"/>
       </p:ext>
     </p:extLst>
   </p:cSld>
   <p:clrMapOvr>
     <a:masterClrMapping/>
   </p:clrMapOvr>
+  <p:timing>
+    <p:tnLst>
+      <p:par>
+        <p:cTn id="1" dur="indefinite" restart="never" nodeType="tmRoot"/>
+      </p:par>
+    </p:tnLst>
+  </p:timing>
 </p:sld>
 </file>
 
@@ -3805,6 +3838,131 @@
             <a:spLocks noGrp="1"/>
           </p:cNvSpPr>
           <p:nvPr>
+            <p:ph type="ctrTitle"/>
+          </p:nvPr>
+        </p:nvSpPr>
+        <p:spPr>
+          <a:xfrm>
+            <a:off x="1524000" y="1122363"/>
+            <a:ext cx="9144000" cy="962811"/>
+          </a:xfrm>
+        </p:spPr>
+        <p:txBody>
+          <a:bodyPr/>
+          <a:lstStyle/>
+          <a:p>
+            <a:r>
+              <a:rPr lang="en-US" dirty="0">
+                <a:latin typeface="Times New Roman" panose="02020603050405020304" pitchFamily="18" charset="0"/>
+                <a:cs typeface="Times New Roman" panose="02020603050405020304" pitchFamily="18" charset="0"/>
+              </a:rPr>
+              <a:t>Conclusions</a:t>
+            </a:r>
+          </a:p>
+        </p:txBody>
+      </p:sp>
+      <p:sp>
+        <p:nvSpPr>
+          <p:cNvPr id="3" name="Subtitle 2"/>
+          <p:cNvSpPr>
+            <a:spLocks noGrp="1"/>
+          </p:cNvSpPr>
+          <p:nvPr>
+            <p:ph type="subTitle" idx="1"/>
+          </p:nvPr>
+        </p:nvSpPr>
+        <p:spPr>
+          <a:xfrm>
+            <a:off x="1524000" y="2435551"/>
+            <a:ext cx="9144000" cy="2822249"/>
+          </a:xfrm>
+        </p:spPr>
+        <p:txBody>
+          <a:bodyPr>
+            <a:normAutofit/>
+          </a:bodyPr>
+          <a:lstStyle/>
+          <a:p>
+            <a:pPr algn="just"/>
+            <a:r>
+              <a:rPr lang="en-US" sz="2800" dirty="0">
+                <a:latin typeface="Times New Roman" panose="02020603050405020304" pitchFamily="18" charset="0"/>
+                <a:cs typeface="Times New Roman" panose="02020603050405020304" pitchFamily="18" charset="0"/>
+              </a:rPr>
+              <a:t>An excellent virtual assistant will save time and money by doing the small tasks for you and doing them accurately and with high quality. If </a:t>
+            </a:r>
+            <a:r>
+              <a:rPr lang="en-US" sz="2800" dirty="0" smtClean="0">
+                <a:latin typeface="Times New Roman" panose="02020603050405020304" pitchFamily="18" charset="0"/>
+                <a:cs typeface="Times New Roman" panose="02020603050405020304" pitchFamily="18" charset="0"/>
+              </a:rPr>
+              <a:t>we </a:t>
+            </a:r>
+            <a:r>
+              <a:rPr lang="en-US" sz="2800" dirty="0">
+                <a:latin typeface="Times New Roman" panose="02020603050405020304" pitchFamily="18" charset="0"/>
+                <a:cs typeface="Times New Roman" panose="02020603050405020304" pitchFamily="18" charset="0"/>
+              </a:rPr>
+              <a:t>handle the virtual assistant correctly, it will be a boom in </a:t>
+            </a:r>
+            <a:r>
+              <a:rPr lang="en-US" sz="2800" dirty="0" smtClean="0">
+                <a:latin typeface="Times New Roman" panose="02020603050405020304" pitchFamily="18" charset="0"/>
+                <a:cs typeface="Times New Roman" panose="02020603050405020304" pitchFamily="18" charset="0"/>
+              </a:rPr>
+              <a:t>your daily life.</a:t>
+            </a:r>
+            <a:endParaRPr lang="en-US" sz="2800" dirty="0">
+              <a:latin typeface="Times New Roman" panose="02020603050405020304" pitchFamily="18" charset="0"/>
+              <a:cs typeface="Times New Roman" panose="02020603050405020304" pitchFamily="18" charset="0"/>
+            </a:endParaRPr>
+          </a:p>
+        </p:txBody>
+      </p:sp>
+    </p:spTree>
+    <p:extLst>
+      <p:ext uri="{BB962C8B-B14F-4D97-AF65-F5344CB8AC3E}">
+        <p14:creationId xmlns:p14="http://schemas.microsoft.com/office/powerpoint/2010/main" val="4069212383"/>
+      </p:ext>
+    </p:extLst>
+  </p:cSld>
+  <p:clrMapOvr>
+    <a:masterClrMapping/>
+  </p:clrMapOvr>
+  <p:timing>
+    <p:tnLst>
+      <p:par>
+        <p:cTn id="1" dur="indefinite" restart="never" nodeType="tmRoot"/>
+      </p:par>
+    </p:tnLst>
+  </p:timing>
+</p:sld>
+</file>
+
+<file path=ppt/slides/slide15.xml><?xml version="1.0" encoding="utf-8"?>
+<p:sld xmlns:a="http://schemas.openxmlformats.org/drawingml/2006/main" xmlns:r="http://schemas.openxmlformats.org/officeDocument/2006/relationships" xmlns:p="http://schemas.openxmlformats.org/presentationml/2006/main">
+  <p:cSld>
+    <p:spTree>
+      <p:nvGrpSpPr>
+        <p:cNvPr id="1" name=""/>
+        <p:cNvGrpSpPr/>
+        <p:nvPr/>
+      </p:nvGrpSpPr>
+      <p:grpSpPr>
+        <a:xfrm>
+          <a:off x="0" y="0"/>
+          <a:ext cx="0" cy="0"/>
+          <a:chOff x="0" y="0"/>
+          <a:chExt cx="0" cy="0"/>
+        </a:xfrm>
+      </p:grpSpPr>
+      <p:sp>
+        <p:nvSpPr>
+          <p:cNvPr id="2" name="Title 1"/>
+          <p:cNvSpPr>
+            <a:spLocks noGrp="1"/>
+          </p:cNvSpPr>
+          <p:nvPr>
             <p:ph type="title"/>
           </p:nvPr>
         </p:nvSpPr>
@@ -3869,6 +4027,13 @@
   <p:clrMapOvr>
     <a:masterClrMapping/>
   </p:clrMapOvr>
+  <p:timing>
+    <p:tnLst>
+      <p:par>
+        <p:cTn id="1" dur="indefinite" restart="never" nodeType="tmRoot"/>
+      </p:par>
+    </p:tnLst>
+  </p:timing>
 </p:sld>
 </file>
 
@@ -3946,14 +4111,14 @@
                 <a:latin typeface="Times New Roman" panose="02020603050405020304" pitchFamily="18" charset="0"/>
                 <a:cs typeface="Times New Roman" panose="02020603050405020304" pitchFamily="18" charset="0"/>
               </a:rPr>
-              <a:t>This project is based on windows system and provide personal assistant using voice recognition. This program includes the functions and services of: </a:t>
+              <a:t>This project is based on windows system and provide personal assistant using voice recognition. This program includes the functions and services of: M</a:t>
             </a:r>
             <a:r>
               <a:rPr lang="en-US" sz="1900" dirty="0" smtClean="0">
                 <a:latin typeface="Times New Roman" panose="02020603050405020304" pitchFamily="18" charset="0"/>
                 <a:cs typeface="Times New Roman" panose="02020603050405020304" pitchFamily="18" charset="0"/>
               </a:rPr>
-              <a:t>music </a:t>
+              <a:t>usic </a:t>
             </a:r>
             <a:r>
               <a:rPr lang="en-US" sz="1900" dirty="0">
@@ -4038,6 +4203,13 @@
   <p:clrMapOvr>
     <a:masterClrMapping/>
   </p:clrMapOvr>
+  <p:timing>
+    <p:tnLst>
+      <p:par>
+        <p:cTn id="1" dur="indefinite" restart="never" nodeType="tmRoot"/>
+      </p:par>
+    </p:tnLst>
+  </p:timing>
 </p:sld>
 </file>
 
@@ -4103,6 +4275,7 @@
           <a:bodyPr/>
           <a:lstStyle/>
           <a:p>
+            <a:pPr algn="just"/>
             <a:r>
               <a:rPr lang="en-US" dirty="0" smtClean="0">
                 <a:latin typeface="Times New Roman" panose="02020603050405020304" pitchFamily="18" charset="0"/>
@@ -4112,6 +4285,7 @@
             </a:r>
           </a:p>
           <a:p>
+            <a:pPr algn="just"/>
             <a:r>
               <a:rPr lang="en-US" dirty="0">
                 <a:latin typeface="Times New Roman" panose="02020603050405020304" pitchFamily="18" charset="0"/>
@@ -4128,6 +4302,7 @@
             </a:r>
           </a:p>
           <a:p>
+            <a:pPr algn="just"/>
             <a:r>
               <a:rPr lang="en-US" dirty="0" smtClean="0">
                 <a:latin typeface="Times New Roman" panose="02020603050405020304" pitchFamily="18" charset="0"/>
@@ -4151,6 +4326,7 @@
             </a:r>
           </a:p>
           <a:p>
+            <a:pPr algn="just"/>
             <a:r>
               <a:rPr lang="en-US" dirty="0" smtClean="0">
                 <a:latin typeface="Times New Roman" panose="02020603050405020304" pitchFamily="18" charset="0"/>
@@ -4160,6 +4336,7 @@
             </a:r>
           </a:p>
           <a:p>
+            <a:pPr algn="just"/>
             <a:r>
               <a:rPr lang="en-US" dirty="0">
                 <a:latin typeface="Times New Roman" panose="02020603050405020304" pitchFamily="18" charset="0"/>
@@ -4191,6 +4368,13 @@
   <p:clrMapOvr>
     <a:masterClrMapping/>
   </p:clrMapOvr>
+  <p:timing>
+    <p:tnLst>
+      <p:par>
+        <p:cTn id="1" dur="indefinite" restart="never" nodeType="tmRoot"/>
+      </p:par>
+    </p:tnLst>
+  </p:timing>
 </p:sld>
 </file>
 
@@ -4256,6 +4440,7 @@
           <a:bodyPr/>
           <a:lstStyle/>
           <a:p>
+            <a:pPr algn="just"/>
             <a:r>
               <a:rPr lang="en-US" dirty="0" smtClean="0">
                 <a:latin typeface="Times New Roman" panose="02020603050405020304" pitchFamily="18" charset="0"/>
@@ -4279,6 +4464,7 @@
             </a:r>
           </a:p>
           <a:p>
+            <a:pPr algn="just"/>
             <a:r>
               <a:rPr lang="en-US" dirty="0">
                 <a:latin typeface="Times New Roman" panose="02020603050405020304" pitchFamily="18" charset="0"/>
@@ -4306,6 +4492,13 @@
   <p:clrMapOvr>
     <a:masterClrMapping/>
   </p:clrMapOvr>
+  <p:timing>
+    <p:tnLst>
+      <p:par>
+        <p:cTn id="1" dur="indefinite" restart="never" nodeType="tmRoot"/>
+      </p:par>
+    </p:tnLst>
+  </p:timing>
 </p:sld>
 </file>
 
@@ -4422,6 +4615,13 @@
   <p:clrMapOvr>
     <a:masterClrMapping/>
   </p:clrMapOvr>
+  <p:timing>
+    <p:tnLst>
+      <p:par>
+        <p:cTn id="1" dur="indefinite" restart="never" nodeType="tmRoot"/>
+      </p:par>
+    </p:tnLst>
+  </p:timing>
 </p:sld>
 </file>
 
@@ -4491,32 +4691,50 @@
           <a:p>
             <a:pPr lvl="0"/>
             <a:r>
-              <a:rPr lang="en-US" dirty="0"/>
+              <a:rPr lang="en-US" dirty="0">
+                <a:latin typeface="Times New Roman" panose="02020603050405020304" pitchFamily="18" charset="0"/>
+                <a:cs typeface="Times New Roman" panose="02020603050405020304" pitchFamily="18" charset="0"/>
+              </a:rPr>
               <a:t>Pentium-pro processor or later.</a:t>
             </a:r>
           </a:p>
           <a:p>
             <a:pPr lvl="0"/>
             <a:r>
-              <a:rPr lang="en-US" dirty="0"/>
+              <a:rPr lang="en-US" dirty="0">
+                <a:latin typeface="Times New Roman" panose="02020603050405020304" pitchFamily="18" charset="0"/>
+                <a:cs typeface="Times New Roman" panose="02020603050405020304" pitchFamily="18" charset="0"/>
+              </a:rPr>
               <a:t>RAM 512MB or more. </a:t>
             </a:r>
-            <a:endParaRPr lang="en-US" dirty="0" smtClean="0"/>
+            <a:endParaRPr lang="en-US" dirty="0" smtClean="0">
+              <a:latin typeface="Times New Roman" panose="02020603050405020304" pitchFamily="18" charset="0"/>
+              <a:cs typeface="Times New Roman" panose="02020603050405020304" pitchFamily="18" charset="0"/>
+            </a:endParaRPr>
           </a:p>
           <a:p>
             <a:pPr lvl="0"/>
             <a:r>
-              <a:rPr lang="en-US" dirty="0" smtClean="0"/>
+              <a:rPr lang="en-US" dirty="0" smtClean="0">
+                <a:latin typeface="Times New Roman" panose="02020603050405020304" pitchFamily="18" charset="0"/>
+                <a:cs typeface="Times New Roman" panose="02020603050405020304" pitchFamily="18" charset="0"/>
+              </a:rPr>
               <a:t>MIC(Working condition).</a:t>
             </a:r>
           </a:p>
           <a:p>
             <a:pPr lvl="0"/>
             <a:r>
-              <a:rPr lang="en-US" dirty="0" smtClean="0"/>
+              <a:rPr lang="en-US" dirty="0" smtClean="0">
+                <a:latin typeface="Times New Roman" panose="02020603050405020304" pitchFamily="18" charset="0"/>
+                <a:cs typeface="Times New Roman" panose="02020603050405020304" pitchFamily="18" charset="0"/>
+              </a:rPr>
               <a:t>Speaker.</a:t>
             </a:r>
-            <a:endParaRPr lang="en-US" dirty="0"/>
+            <a:endParaRPr lang="en-US" dirty="0">
+              <a:latin typeface="Times New Roman" panose="02020603050405020304" pitchFamily="18" charset="0"/>
+              <a:cs typeface="Times New Roman" panose="02020603050405020304" pitchFamily="18" charset="0"/>
+            </a:endParaRPr>
           </a:p>
         </p:txBody>
       </p:sp>
@@ -4530,6 +4748,13 @@
   <p:clrMapOvr>
     <a:masterClrMapping/>
   </p:clrMapOvr>
+  <p:timing>
+    <p:tnLst>
+      <p:par>
+        <p:cTn id="1" dur="indefinite" restart="never" nodeType="tmRoot"/>
+      </p:par>
+    </p:tnLst>
+  </p:timing>
 </p:sld>
 </file>
 
@@ -4647,6 +4872,13 @@
   <p:clrMapOvr>
     <a:masterClrMapping/>
   </p:clrMapOvr>
+  <p:timing>
+    <p:tnLst>
+      <p:par>
+        <p:cTn id="1" dur="indefinite" restart="never" nodeType="tmRoot"/>
+      </p:par>
+    </p:tnLst>
+  </p:timing>
 </p:sld>
 </file>
 
@@ -4761,6 +4993,13 @@
   <p:clrMapOvr>
     <a:masterClrMapping/>
   </p:clrMapOvr>
+  <p:timing>
+    <p:tnLst>
+      <p:par>
+        <p:cTn id="1" dur="indefinite" restart="never" nodeType="tmRoot"/>
+      </p:par>
+    </p:tnLst>
+  </p:timing>
 </p:sld>
 </file>
 
@@ -4883,6 +5122,13 @@
   <p:clrMapOvr>
     <a:masterClrMapping/>
   </p:clrMapOvr>
+  <p:timing>
+    <p:tnLst>
+      <p:par>
+        <p:cTn id="1" dur="indefinite" restart="never" nodeType="tmRoot"/>
+      </p:par>
+    </p:tnLst>
+  </p:timing>
 </p:sld>
 </file>
 
